--- a/docs/OverviewDiagram-20120925-1.pptx
+++ b/docs/OverviewDiagram-20120925-1.pptx
@@ -9,7 +9,7 @@
     <p:sldId id="257" r:id="rId3"/>
   </p:sldIdLst>
   <p:sldSz cx="9144000" cy="6858000" type="screen4x3"/>
-  <p:notesSz cx="6858000" cy="9144000"/>
+  <p:notesSz cx="7010400" cy="9296400"/>
   <p:defaultTextStyle>
     <a:defPPr>
       <a:defRPr lang="en-US"/>

--- a/docs/OverviewDiagram-20120925-1.pptx
+++ b/docs/OverviewDiagram-20120925-1.pptx
@@ -289,7 +289,7 @@
           <a:p>
             <a:fld id="{FC934158-5480-442B-8E69-CF167E19A3B0}" type="datetimeFigureOut">
               <a:rPr lang="en-US" smtClean="0"/>
-              <a:t>9/25/2012</a:t>
+              <a:t>10/31/2012</a:t>
             </a:fld>
             <a:endParaRPr lang="en-US"/>
           </a:p>
@@ -459,7 +459,7 @@
           <a:p>
             <a:fld id="{FC934158-5480-442B-8E69-CF167E19A3B0}" type="datetimeFigureOut">
               <a:rPr lang="en-US" smtClean="0"/>
-              <a:t>9/25/2012</a:t>
+              <a:t>10/31/2012</a:t>
             </a:fld>
             <a:endParaRPr lang="en-US"/>
           </a:p>
@@ -639,7 +639,7 @@
           <a:p>
             <a:fld id="{FC934158-5480-442B-8E69-CF167E19A3B0}" type="datetimeFigureOut">
               <a:rPr lang="en-US" smtClean="0"/>
-              <a:t>9/25/2012</a:t>
+              <a:t>10/31/2012</a:t>
             </a:fld>
             <a:endParaRPr lang="en-US"/>
           </a:p>
@@ -809,7 +809,7 @@
           <a:p>
             <a:fld id="{FC934158-5480-442B-8E69-CF167E19A3B0}" type="datetimeFigureOut">
               <a:rPr lang="en-US" smtClean="0"/>
-              <a:t>9/25/2012</a:t>
+              <a:t>10/31/2012</a:t>
             </a:fld>
             <a:endParaRPr lang="en-US"/>
           </a:p>
@@ -1055,7 +1055,7 @@
           <a:p>
             <a:fld id="{FC934158-5480-442B-8E69-CF167E19A3B0}" type="datetimeFigureOut">
               <a:rPr lang="en-US" smtClean="0"/>
-              <a:t>9/25/2012</a:t>
+              <a:t>10/31/2012</a:t>
             </a:fld>
             <a:endParaRPr lang="en-US"/>
           </a:p>
@@ -1343,7 +1343,7 @@
           <a:p>
             <a:fld id="{FC934158-5480-442B-8E69-CF167E19A3B0}" type="datetimeFigureOut">
               <a:rPr lang="en-US" smtClean="0"/>
-              <a:t>9/25/2012</a:t>
+              <a:t>10/31/2012</a:t>
             </a:fld>
             <a:endParaRPr lang="en-US"/>
           </a:p>
@@ -1765,7 +1765,7 @@
           <a:p>
             <a:fld id="{FC934158-5480-442B-8E69-CF167E19A3B0}" type="datetimeFigureOut">
               <a:rPr lang="en-US" smtClean="0"/>
-              <a:t>9/25/2012</a:t>
+              <a:t>10/31/2012</a:t>
             </a:fld>
             <a:endParaRPr lang="en-US"/>
           </a:p>
@@ -1883,7 +1883,7 @@
           <a:p>
             <a:fld id="{FC934158-5480-442B-8E69-CF167E19A3B0}" type="datetimeFigureOut">
               <a:rPr lang="en-US" smtClean="0"/>
-              <a:t>9/25/2012</a:t>
+              <a:t>10/31/2012</a:t>
             </a:fld>
             <a:endParaRPr lang="en-US"/>
           </a:p>
@@ -1978,7 +1978,7 @@
           <a:p>
             <a:fld id="{FC934158-5480-442B-8E69-CF167E19A3B0}" type="datetimeFigureOut">
               <a:rPr lang="en-US" smtClean="0"/>
-              <a:t>9/25/2012</a:t>
+              <a:t>10/31/2012</a:t>
             </a:fld>
             <a:endParaRPr lang="en-US"/>
           </a:p>
@@ -2255,7 +2255,7 @@
           <a:p>
             <a:fld id="{FC934158-5480-442B-8E69-CF167E19A3B0}" type="datetimeFigureOut">
               <a:rPr lang="en-US" smtClean="0"/>
-              <a:t>9/25/2012</a:t>
+              <a:t>10/31/2012</a:t>
             </a:fld>
             <a:endParaRPr lang="en-US"/>
           </a:p>
@@ -2508,7 +2508,7 @@
           <a:p>
             <a:fld id="{FC934158-5480-442B-8E69-CF167E19A3B0}" type="datetimeFigureOut">
               <a:rPr lang="en-US" smtClean="0"/>
-              <a:t>9/25/2012</a:t>
+              <a:t>10/31/2012</a:t>
             </a:fld>
             <a:endParaRPr lang="en-US"/>
           </a:p>
@@ -2721,7 +2721,7 @@
           <a:p>
             <a:fld id="{FC934158-5480-442B-8E69-CF167E19A3B0}" type="datetimeFigureOut">
               <a:rPr lang="en-US" smtClean="0"/>
-              <a:t>9/25/2012</a:t>
+              <a:t>10/31/2012</a:t>
             </a:fld>
             <a:endParaRPr lang="en-US"/>
           </a:p>
@@ -3110,6 +3110,19 @@
           <a:prstGeom prst="cloud">
             <a:avLst/>
           </a:prstGeom>
+          <a:solidFill>
+            <a:schemeClr val="accent3">
+              <a:lumMod val="60000"/>
+              <a:lumOff val="40000"/>
+            </a:schemeClr>
+          </a:solidFill>
+          <a:ln>
+            <a:solidFill>
+              <a:schemeClr val="accent3">
+                <a:lumMod val="75000"/>
+              </a:schemeClr>
+            </a:solidFill>
+          </a:ln>
         </p:spPr>
         <p:style>
           <a:lnRef idx="2">
@@ -3138,13 +3151,13 @@
       </p:sp>
       <p:sp>
         <p:nvSpPr>
-          <p:cNvPr id="5" name="Rectangle 4"/>
+          <p:cNvPr id="7" name="Rectangle 6"/>
           <p:cNvSpPr/>
           <p:nvPr/>
         </p:nvSpPr>
         <p:spPr>
           <a:xfrm>
-            <a:off x="762000" y="533400"/>
+            <a:off x="3429000" y="2476500"/>
             <a:ext cx="1600200" cy="838200"/>
           </a:xfrm>
           <a:prstGeom prst="rect">
@@ -3171,27 +3184,32 @@
           <a:p>
             <a:pPr algn="ctr"/>
             <a:r>
-              <a:rPr lang="en-US" dirty="0" smtClean="0"/>
-              <a:t>Client Network Application</a:t>
-            </a:r>
-            <a:endParaRPr lang="en-US" dirty="0"/>
-          </a:p>
-        </p:txBody>
-      </p:sp>
-      <p:sp>
-        <p:nvSpPr>
-          <p:cNvPr id="7" name="Rectangle 6"/>
+              <a:rPr lang="en-US" sz="1600" dirty="0" smtClean="0"/>
+              <a:t>Interface Server </a:t>
+            </a:r>
+            <a:r>
+              <a:rPr lang="en-US" sz="1000" dirty="0" smtClean="0"/>
+              <a:t>(with Serial-Over-Ethernet Software Client)</a:t>
+            </a:r>
+            <a:endParaRPr lang="en-US" sz="1000" dirty="0"/>
+          </a:p>
+        </p:txBody>
+      </p:sp>
+      <p:sp>
+        <p:nvSpPr>
+          <p:cNvPr id="8" name="Rectangle 7"/>
           <p:cNvSpPr/>
           <p:nvPr/>
         </p:nvSpPr>
         <p:spPr>
           <a:xfrm>
-            <a:off x="3429000" y="2476500"/>
+            <a:off x="3429000" y="533400"/>
             <a:ext cx="1600200" cy="838200"/>
           </a:xfrm>
           <a:prstGeom prst="rect">
             <a:avLst/>
           </a:prstGeom>
+          <a:noFill/>
         </p:spPr>
         <p:style>
           <a:lnRef idx="2">
@@ -3213,36 +3231,26 @@
           <a:p>
             <a:pPr algn="ctr"/>
             <a:r>
-              <a:rPr lang="en-US" sz="1600" dirty="0" smtClean="0"/>
-              <a:t>Interface Server </a:t>
-            </a:r>
-            <a:r>
-              <a:rPr lang="en-US" sz="1000" dirty="0" smtClean="0"/>
-              <a:t>(with Serial-Over-Ethernet Software Client)</a:t>
-            </a:r>
-            <a:endParaRPr lang="en-US" sz="1000" dirty="0"/>
-          </a:p>
-        </p:txBody>
-      </p:sp>
-      <p:sp>
-        <p:nvSpPr>
-          <p:cNvPr id="8" name="Rectangle 7"/>
+              <a:rPr lang="en-US" sz="1200" dirty="0" smtClean="0"/>
+              <a:t>csulbsharklab.com</a:t>
+            </a:r>
+          </a:p>
+        </p:txBody>
+      </p:sp>
+      <p:sp>
+        <p:nvSpPr>
+          <p:cNvPr id="9" name="Rectangle 8"/>
           <p:cNvSpPr/>
           <p:nvPr/>
         </p:nvSpPr>
         <p:spPr>
           <a:xfrm>
-            <a:off x="3429000" y="533400"/>
+            <a:off x="6019800" y="533400"/>
             <a:ext cx="1600200" cy="838200"/>
           </a:xfrm>
           <a:prstGeom prst="rect">
             <a:avLst/>
           </a:prstGeom>
-          <a:solidFill>
-            <a:schemeClr val="bg1">
-              <a:lumMod val="95000"/>
-            </a:schemeClr>
-          </a:solidFill>
         </p:spPr>
         <p:style>
           <a:lnRef idx="2">
@@ -3265,25 +3273,84 @@
             <a:pPr algn="ctr"/>
             <a:r>
               <a:rPr lang="en-US" sz="1200" dirty="0" smtClean="0"/>
-              <a:t>csulbsharklab.com</a:t>
-            </a:r>
-          </a:p>
-        </p:txBody>
-      </p:sp>
-      <p:sp>
-        <p:nvSpPr>
-          <p:cNvPr id="9" name="Rectangle 8"/>
+              <a:t>Outreach Access Application (Phase II)</a:t>
+            </a:r>
+            <a:endParaRPr lang="en-US" sz="1200" dirty="0"/>
+          </a:p>
+        </p:txBody>
+      </p:sp>
+      <p:sp>
+        <p:nvSpPr>
+          <p:cNvPr id="10" name="Cloud 9"/>
           <p:cNvSpPr/>
           <p:nvPr/>
         </p:nvSpPr>
         <p:spPr>
           <a:xfrm>
-            <a:off x="6019800" y="533400"/>
-            <a:ext cx="1600200" cy="838200"/>
+            <a:off x="3048000" y="3581400"/>
+            <a:ext cx="2362200" cy="1219200"/>
+          </a:xfrm>
+          <a:prstGeom prst="cloud">
+            <a:avLst/>
+          </a:prstGeom>
+          <a:solidFill>
+            <a:schemeClr val="accent3">
+              <a:lumMod val="60000"/>
+              <a:lumOff val="40000"/>
+            </a:schemeClr>
+          </a:solidFill>
+          <a:ln>
+            <a:solidFill>
+              <a:schemeClr val="accent3">
+                <a:lumMod val="75000"/>
+              </a:schemeClr>
+            </a:solidFill>
+          </a:ln>
+        </p:spPr>
+        <p:style>
+          <a:lnRef idx="2">
+            <a:schemeClr val="accent1">
+              <a:shade val="50000"/>
+            </a:schemeClr>
+          </a:lnRef>
+          <a:fillRef idx="1">
+            <a:schemeClr val="accent1"/>
+          </a:fillRef>
+          <a:effectRef idx="0">
+            <a:schemeClr val="accent1"/>
+          </a:effectRef>
+          <a:fontRef idx="minor">
+            <a:schemeClr val="lt1"/>
+          </a:fontRef>
+        </p:style>
+        <p:txBody>
+          <a:bodyPr rtlCol="0" anchor="ctr"/>
+          <a:lstStyle/>
+          <a:p>
+            <a:pPr algn="ctr"/>
+            <a:endParaRPr lang="en-US"/>
+          </a:p>
+        </p:txBody>
+      </p:sp>
+      <p:sp>
+        <p:nvSpPr>
+          <p:cNvPr id="12" name="Rectangle 11"/>
+          <p:cNvSpPr/>
+          <p:nvPr/>
+        </p:nvSpPr>
+        <p:spPr>
+          <a:xfrm>
+            <a:off x="738612" y="5181600"/>
+            <a:ext cx="1463644" cy="533400"/>
           </a:xfrm>
           <a:prstGeom prst="rect">
             <a:avLst/>
           </a:prstGeom>
+          <a:solidFill>
+            <a:schemeClr val="bg1">
+              <a:lumMod val="85000"/>
+            </a:schemeClr>
+          </a:solidFill>
         </p:spPr>
         <p:style>
           <a:lnRef idx="2">
@@ -3305,62 +3372,22 @@
           <a:p>
             <a:pPr algn="ctr"/>
             <a:r>
-              <a:rPr lang="en-US" sz="1200" dirty="0" smtClean="0"/>
-              <a:t>Outreach Access Application (Phase II)</a:t>
-            </a:r>
-            <a:endParaRPr lang="en-US" sz="1200" dirty="0"/>
-          </a:p>
-        </p:txBody>
-      </p:sp>
-      <p:sp>
-        <p:nvSpPr>
-          <p:cNvPr id="10" name="Cloud 9"/>
+              <a:rPr lang="en-US" sz="1100" dirty="0" smtClean="0"/>
+              <a:t>Serial-Over-Ethernet (Hardware)</a:t>
+            </a:r>
+            <a:endParaRPr lang="en-US" sz="1100" dirty="0"/>
+          </a:p>
+        </p:txBody>
+      </p:sp>
+      <p:sp>
+        <p:nvSpPr>
+          <p:cNvPr id="13" name="Rectangle 12"/>
           <p:cNvSpPr/>
           <p:nvPr/>
         </p:nvSpPr>
         <p:spPr>
           <a:xfrm>
-            <a:off x="3048000" y="3581400"/>
-            <a:ext cx="2362200" cy="1219200"/>
-          </a:xfrm>
-          <a:prstGeom prst="cloud">
-            <a:avLst/>
-          </a:prstGeom>
-        </p:spPr>
-        <p:style>
-          <a:lnRef idx="2">
-            <a:schemeClr val="accent1">
-              <a:shade val="50000"/>
-            </a:schemeClr>
-          </a:lnRef>
-          <a:fillRef idx="1">
-            <a:schemeClr val="accent1"/>
-          </a:fillRef>
-          <a:effectRef idx="0">
-            <a:schemeClr val="accent1"/>
-          </a:effectRef>
-          <a:fontRef idx="minor">
-            <a:schemeClr val="lt1"/>
-          </a:fontRef>
-        </p:style>
-        <p:txBody>
-          <a:bodyPr rtlCol="0" anchor="ctr"/>
-          <a:lstStyle/>
-          <a:p>
-            <a:pPr algn="ctr"/>
-            <a:endParaRPr lang="en-US"/>
-          </a:p>
-        </p:txBody>
-      </p:sp>
-      <p:sp>
-        <p:nvSpPr>
-          <p:cNvPr id="12" name="Rectangle 11"/>
-          <p:cNvSpPr/>
-          <p:nvPr/>
-        </p:nvSpPr>
-        <p:spPr>
-          <a:xfrm>
-            <a:off x="738612" y="5181600"/>
+            <a:off x="2697178" y="5180091"/>
             <a:ext cx="1463644" cy="533400"/>
           </a:xfrm>
           <a:prstGeom prst="rect">
@@ -3401,13 +3428,13 @@
       </p:sp>
       <p:sp>
         <p:nvSpPr>
-          <p:cNvPr id="13" name="Rectangle 12"/>
+          <p:cNvPr id="14" name="Rectangle 13"/>
           <p:cNvSpPr/>
           <p:nvPr/>
         </p:nvSpPr>
         <p:spPr>
           <a:xfrm>
-            <a:off x="2697178" y="5180091"/>
+            <a:off x="4686300" y="5178582"/>
             <a:ext cx="1463644" cy="533400"/>
           </a:xfrm>
           <a:prstGeom prst="rect">
@@ -3448,13 +3475,13 @@
       </p:sp>
       <p:sp>
         <p:nvSpPr>
-          <p:cNvPr id="14" name="Rectangle 13"/>
+          <p:cNvPr id="15" name="Rectangle 14"/>
           <p:cNvSpPr/>
           <p:nvPr/>
         </p:nvSpPr>
         <p:spPr>
           <a:xfrm>
-            <a:off x="4686300" y="5178582"/>
+            <a:off x="6705600" y="5181600"/>
             <a:ext cx="1463644" cy="533400"/>
           </a:xfrm>
           <a:prstGeom prst="rect">
@@ -3493,87 +3520,6 @@
           </a:p>
         </p:txBody>
       </p:sp>
-      <p:sp>
-        <p:nvSpPr>
-          <p:cNvPr id="15" name="Rectangle 14"/>
-          <p:cNvSpPr/>
-          <p:nvPr/>
-        </p:nvSpPr>
-        <p:spPr>
-          <a:xfrm>
-            <a:off x="6705600" y="5181600"/>
-            <a:ext cx="1463644" cy="533400"/>
-          </a:xfrm>
-          <a:prstGeom prst="rect">
-            <a:avLst/>
-          </a:prstGeom>
-          <a:solidFill>
-            <a:schemeClr val="bg1">
-              <a:lumMod val="85000"/>
-            </a:schemeClr>
-          </a:solidFill>
-        </p:spPr>
-        <p:style>
-          <a:lnRef idx="2">
-            <a:schemeClr val="accent6"/>
-          </a:lnRef>
-          <a:fillRef idx="1">
-            <a:schemeClr val="lt1"/>
-          </a:fillRef>
-          <a:effectRef idx="0">
-            <a:schemeClr val="accent6"/>
-          </a:effectRef>
-          <a:fontRef idx="minor">
-            <a:schemeClr val="dk1"/>
-          </a:fontRef>
-        </p:style>
-        <p:txBody>
-          <a:bodyPr rtlCol="0" anchor="ctr"/>
-          <a:lstStyle/>
-          <a:p>
-            <a:pPr algn="ctr"/>
-            <a:r>
-              <a:rPr lang="en-US" sz="1100" dirty="0" smtClean="0"/>
-              <a:t>Serial-Over-Ethernet (Hardware)</a:t>
-            </a:r>
-            <a:endParaRPr lang="en-US" sz="1100" dirty="0"/>
-          </a:p>
-        </p:txBody>
-      </p:sp>
-      <p:cxnSp>
-        <p:nvCxnSpPr>
-          <p:cNvPr id="19" name="Elbow Connector 18"/>
-          <p:cNvCxnSpPr/>
-          <p:nvPr/>
-        </p:nvCxnSpPr>
-        <p:spPr>
-          <a:xfrm rot="16200000" flipH="1">
-            <a:off x="2231982" y="503297"/>
-            <a:ext cx="930393" cy="2667000"/>
-          </a:xfrm>
-          <a:prstGeom prst="bentConnector3">
-            <a:avLst/>
-          </a:prstGeom>
-          <a:ln>
-            <a:headEnd type="arrow"/>
-            <a:tailEnd type="arrow"/>
-          </a:ln>
-        </p:spPr>
-        <p:style>
-          <a:lnRef idx="1">
-            <a:schemeClr val="accent1"/>
-          </a:lnRef>
-          <a:fillRef idx="0">
-            <a:schemeClr val="accent1"/>
-          </a:fillRef>
-          <a:effectRef idx="0">
-            <a:schemeClr val="accent1"/>
-          </a:effectRef>
-          <a:fontRef idx="minor">
-            <a:schemeClr val="tx1"/>
-          </a:fontRef>
-        </p:style>
-      </p:cxnSp>
       <p:cxnSp>
         <p:nvCxnSpPr>
           <p:cNvPr id="33" name="Straight Arrow Connector 32"/>
